--- a/9.IO/IO.pptx
+++ b/9.IO/IO.pptx
@@ -17682,8 +17682,8 @@
         </p:nvSpPr>
         <p:spPr>
           <a:xfrm>
-            <a:off x="481350" y="2714799"/>
-            <a:ext cx="8181300" cy="3074100"/>
+            <a:off x="481350" y="2714798"/>
+            <a:ext cx="8181300" cy="3410793"/>
           </a:xfrm>
           <a:prstGeom prst="rect">
             <a:avLst/>
@@ -17869,7 +17869,7 @@
             </a:endParaRPr>
           </a:p>
           <a:p>
-            <a:pPr lvl="0" indent="-12700">
+            <a:pPr indent="-12700">
               <a:spcAft>
                 <a:spcPts val="1200"/>
               </a:spcAft>
@@ -17911,8 +17911,39 @@
                 <a:cs typeface="Roboto"/>
                 <a:sym typeface="Roboto"/>
               </a:rPr>
-              <a:t>, </a:t>
+              <a:t> - </a:t>
             </a:r>
+            <a:r>
+              <a:rPr lang="ru-RU" sz="2000" dirty="0">
+                <a:solidFill>
+                  <a:srgbClr val="262626"/>
+                </a:solidFill>
+                <a:latin typeface="Roboto"/>
+                <a:ea typeface="Roboto"/>
+                <a:cs typeface="Roboto"/>
+                <a:sym typeface="Roboto"/>
+              </a:rPr>
+              <a:t>для работы с содержимым файла как с набором байтов.</a:t>
+            </a:r>
+            <a:endParaRPr lang="en-US" sz="2000" b="1" dirty="0">
+              <a:solidFill>
+                <a:srgbClr val="262626"/>
+              </a:solidFill>
+              <a:latin typeface="Roboto"/>
+              <a:ea typeface="Roboto"/>
+              <a:cs typeface="Roboto"/>
+              <a:sym typeface="Roboto"/>
+            </a:endParaRPr>
+          </a:p>
+          <a:p>
+            <a:pPr lvl="0" indent="-12700">
+              <a:spcAft>
+                <a:spcPts val="1200"/>
+              </a:spcAft>
+              <a:buSzPts val="2000"/>
+              <a:buFont typeface="Noto Sans Symbols"/>
+              <a:buChar char="▪"/>
+            </a:pPr>
             <a:r>
               <a:rPr lang="en-US" sz="2000" b="1" dirty="0" err="1">
                 <a:solidFill>
@@ -17959,8 +17990,17 @@
                 <a:cs typeface="Roboto"/>
                 <a:sym typeface="Roboto"/>
               </a:rPr>
-              <a:t>для работы с содержимым файла как с набором байтов.</a:t>
+              <a:t>для работы с набором байт хранящемся в памяти.</a:t>
             </a:r>
+            <a:endParaRPr lang="en-US" sz="2000" dirty="0">
+              <a:solidFill>
+                <a:srgbClr val="262626"/>
+              </a:solidFill>
+              <a:latin typeface="Roboto"/>
+              <a:ea typeface="Roboto"/>
+              <a:cs typeface="Roboto"/>
+              <a:sym typeface="Roboto"/>
+            </a:endParaRPr>
           </a:p>
           <a:p>
             <a:pPr lvl="0" indent="-12700">
@@ -17971,18 +18011,6 @@
               <a:buFont typeface="Noto Sans Symbols"/>
               <a:buChar char="▪"/>
             </a:pPr>
-            <a:r>
-              <a:rPr lang="en-US" sz="2000" dirty="0">
-                <a:solidFill>
-                  <a:srgbClr val="262626"/>
-                </a:solidFill>
-                <a:latin typeface="Roboto"/>
-                <a:ea typeface="Roboto"/>
-                <a:cs typeface="Roboto"/>
-                <a:sym typeface="Roboto"/>
-              </a:rPr>
-              <a:t> </a:t>
-            </a:r>
             <a:r>
               <a:rPr lang="en-US" sz="2000" b="1" dirty="0" err="1">
                 <a:solidFill>

--- a/9.IO/IO.pptx
+++ b/9.IO/IO.pptx
@@ -17945,6 +17945,18 @@
               <a:buChar char="▪"/>
             </a:pPr>
             <a:r>
+              <a:rPr lang="en-US" sz="2000" b="1" dirty="0">
+                <a:solidFill>
+                  <a:srgbClr val="262626"/>
+                </a:solidFill>
+                <a:latin typeface="Roboto"/>
+                <a:ea typeface="Roboto"/>
+                <a:cs typeface="Roboto"/>
+                <a:sym typeface="Roboto"/>
+              </a:rPr>
+              <a:t> </a:t>
+            </a:r>
+            <a:r>
               <a:rPr lang="en-US" sz="2000" b="1" dirty="0" err="1">
                 <a:solidFill>
                   <a:srgbClr val="262626"/>
@@ -18011,6 +18023,18 @@
               <a:buFont typeface="Noto Sans Symbols"/>
               <a:buChar char="▪"/>
             </a:pPr>
+            <a:r>
+              <a:rPr lang="en-US" sz="2000" b="1" dirty="0">
+                <a:solidFill>
+                  <a:srgbClr val="262626"/>
+                </a:solidFill>
+                <a:latin typeface="Roboto"/>
+                <a:ea typeface="Roboto"/>
+                <a:cs typeface="Roboto"/>
+                <a:sym typeface="Roboto"/>
+              </a:rPr>
+              <a:t> </a:t>
+            </a:r>
             <a:r>
               <a:rPr lang="en-US" sz="2000" b="1" dirty="0" err="1">
                 <a:solidFill>
